--- a/3-clean-comments.pptx
+++ b/3-clean-comments.pptx
@@ -56,7 +56,7 @@
     <p:sldId id="313" r:id="rId44"/>
   </p:sldIdLst>
   <p:sldSz cx="9144000" cy="6858000" type="screen4x3"/>
-  <p:notesSz cx="6858000" cy="9926638"/>
+  <p:notesSz cx="6858000" cy="9296400"/>
   <p:defaultTextStyle>
     <a:defPPr>
       <a:defRPr lang="en-US"/>
@@ -190,7 +190,7 @@
         <p:spPr>
           <a:xfrm>
             <a:off x="0" y="1"/>
-            <a:ext cx="2971800" cy="496888"/>
+            <a:ext cx="2971800" cy="465341"/>
           </a:xfrm>
           <a:prstGeom prst="rect">
             <a:avLst/>
@@ -221,7 +221,7 @@
         <p:spPr>
           <a:xfrm>
             <a:off x="3884613" y="1"/>
-            <a:ext cx="2971800" cy="496888"/>
+            <a:ext cx="2971800" cy="465341"/>
           </a:xfrm>
           <a:prstGeom prst="rect">
             <a:avLst/>
@@ -238,7 +238,7 @@
             <a:fld id="{619504E2-208E-43FA-901B-E80A4662C65D}" type="datetimeFigureOut">
               <a:rPr lang="el-GR" smtClean="0"/>
               <a:pPr/>
-              <a:t>30/10/2021</a:t>
+              <a:t>13/10/2022</a:t>
             </a:fld>
             <a:endParaRPr lang="el-GR"/>
           </a:p>
@@ -256,8 +256,8 @@
         </p:nvSpPr>
         <p:spPr>
           <a:xfrm>
-            <a:off x="0" y="9428163"/>
-            <a:ext cx="2971800" cy="496887"/>
+            <a:off x="0" y="8829573"/>
+            <a:ext cx="2971800" cy="465340"/>
           </a:xfrm>
           <a:prstGeom prst="rect">
             <a:avLst/>
@@ -287,8 +287,8 @@
         </p:nvSpPr>
         <p:spPr>
           <a:xfrm>
-            <a:off x="3884613" y="9428163"/>
-            <a:ext cx="2971800" cy="496887"/>
+            <a:off x="3884613" y="8829573"/>
+            <a:ext cx="2971800" cy="465340"/>
           </a:xfrm>
           <a:prstGeom prst="rect">
             <a:avLst/>
@@ -352,7 +352,7 @@
         <p:spPr>
           <a:xfrm>
             <a:off x="0" y="0"/>
-            <a:ext cx="2971800" cy="496332"/>
+            <a:ext cx="2971800" cy="464820"/>
           </a:xfrm>
           <a:prstGeom prst="rect">
             <a:avLst/>
@@ -383,7 +383,7 @@
         <p:spPr>
           <a:xfrm>
             <a:off x="3884613" y="0"/>
-            <a:ext cx="2971800" cy="496332"/>
+            <a:ext cx="2971800" cy="464820"/>
           </a:xfrm>
           <a:prstGeom prst="rect">
             <a:avLst/>
@@ -400,7 +400,7 @@
             <a:fld id="{DC17DF70-03C8-4BDB-82BF-9C076E474B74}" type="datetimeFigureOut">
               <a:rPr lang="el-GR" smtClean="0"/>
               <a:pPr/>
-              <a:t>30/10/2021</a:t>
+              <a:t>13/10/2022</a:t>
             </a:fld>
             <a:endParaRPr lang="el-GR"/>
           </a:p>
@@ -418,8 +418,8 @@
         </p:nvSpPr>
         <p:spPr>
           <a:xfrm>
-            <a:off x="947738" y="744538"/>
-            <a:ext cx="4962525" cy="3722687"/>
+            <a:off x="1104900" y="696913"/>
+            <a:ext cx="4648200" cy="3486150"/>
           </a:xfrm>
           <a:prstGeom prst="rect">
             <a:avLst/>
@@ -451,8 +451,8 @@
         </p:nvSpPr>
         <p:spPr>
           <a:xfrm>
-            <a:off x="685800" y="4715153"/>
-            <a:ext cx="5486400" cy="4466987"/>
+            <a:off x="685800" y="4415790"/>
+            <a:ext cx="5486400" cy="4183380"/>
           </a:xfrm>
           <a:prstGeom prst="rect">
             <a:avLst/>
@@ -513,8 +513,8 @@
         </p:nvSpPr>
         <p:spPr>
           <a:xfrm>
-            <a:off x="0" y="9428583"/>
-            <a:ext cx="2971800" cy="496332"/>
+            <a:off x="0" y="8829966"/>
+            <a:ext cx="2971800" cy="464820"/>
           </a:xfrm>
           <a:prstGeom prst="rect">
             <a:avLst/>
@@ -544,8 +544,8 @@
         </p:nvSpPr>
         <p:spPr>
           <a:xfrm>
-            <a:off x="3884613" y="9428583"/>
-            <a:ext cx="2971800" cy="496332"/>
+            <a:off x="3884613" y="8829966"/>
+            <a:ext cx="2971800" cy="464820"/>
           </a:xfrm>
           <a:prstGeom prst="rect">
             <a:avLst/>
@@ -3321,7 +3321,7 @@
             <a:fld id="{1D8BD707-D9CF-40AE-B4C6-C98DA3205C09}" type="datetimeFigureOut">
               <a:rPr lang="en-US" smtClean="0"/>
               <a:pPr/>
-              <a:t>10/30/2021</a:t>
+              <a:t>10/13/2022</a:t>
             </a:fld>
             <a:endParaRPr lang="en-US"/>
           </a:p>
@@ -3682,7 +3682,7 @@
             <a:fld id="{1D8BD707-D9CF-40AE-B4C6-C98DA3205C09}" type="datetimeFigureOut">
               <a:rPr lang="en-US" smtClean="0"/>
               <a:pPr/>
-              <a:t>10/30/2021</a:t>
+              <a:t>10/13/2022</a:t>
             </a:fld>
             <a:endParaRPr lang="en-US"/>
           </a:p>
@@ -3859,7 +3859,7 @@
             <a:fld id="{1D8BD707-D9CF-40AE-B4C6-C98DA3205C09}" type="datetimeFigureOut">
               <a:rPr lang="en-US" smtClean="0"/>
               <a:pPr/>
-              <a:t>10/30/2021</a:t>
+              <a:t>10/13/2022</a:t>
             </a:fld>
             <a:endParaRPr lang="en-US"/>
           </a:p>
@@ -4096,7 +4096,7 @@
             <a:fld id="{1D8BD707-D9CF-40AE-B4C6-C98DA3205C09}" type="datetimeFigureOut">
               <a:rPr lang="en-US" smtClean="0"/>
               <a:pPr/>
-              <a:t>10/30/2021</a:t>
+              <a:t>10/13/2022</a:t>
             </a:fld>
             <a:endParaRPr lang="en-US"/>
           </a:p>
@@ -4362,7 +4362,7 @@
             <a:fld id="{1D8BD707-D9CF-40AE-B4C6-C98DA3205C09}" type="datetimeFigureOut">
               <a:rPr lang="en-US" smtClean="0"/>
               <a:pPr/>
-              <a:t>10/30/2021</a:t>
+              <a:t>10/13/2022</a:t>
             </a:fld>
             <a:endParaRPr lang="en-US"/>
           </a:p>
@@ -4584,7 +4584,7 @@
             <a:fld id="{1D8BD707-D9CF-40AE-B4C6-C98DA3205C09}" type="datetimeFigureOut">
               <a:rPr lang="en-US" smtClean="0"/>
               <a:pPr/>
-              <a:t>10/30/2021</a:t>
+              <a:t>10/13/2022</a:t>
             </a:fld>
             <a:endParaRPr lang="en-US"/>
           </a:p>
@@ -4938,7 +4938,7 @@
             <a:fld id="{1D8BD707-D9CF-40AE-B4C6-C98DA3205C09}" type="datetimeFigureOut">
               <a:rPr lang="en-US" smtClean="0"/>
               <a:pPr/>
-              <a:t>10/30/2021</a:t>
+              <a:t>10/13/2022</a:t>
             </a:fld>
             <a:endParaRPr lang="en-US"/>
           </a:p>
@@ -5172,7 +5172,7 @@
             <a:fld id="{1D8BD707-D9CF-40AE-B4C6-C98DA3205C09}" type="datetimeFigureOut">
               <a:rPr lang="en-US" smtClean="0"/>
               <a:pPr/>
-              <a:t>10/30/2021</a:t>
+              <a:t>10/13/2022</a:t>
             </a:fld>
             <a:endParaRPr lang="en-US"/>
           </a:p>
@@ -5314,7 +5314,7 @@
             <a:fld id="{1D8BD707-D9CF-40AE-B4C6-C98DA3205C09}" type="datetimeFigureOut">
               <a:rPr lang="en-US" smtClean="0"/>
               <a:pPr/>
-              <a:t>10/30/2021</a:t>
+              <a:t>10/13/2022</a:t>
             </a:fld>
             <a:endParaRPr lang="en-US"/>
           </a:p>
@@ -5593,7 +5593,7 @@
             <a:fld id="{1D8BD707-D9CF-40AE-B4C6-C98DA3205C09}" type="datetimeFigureOut">
               <a:rPr lang="en-US" smtClean="0"/>
               <a:pPr/>
-              <a:t>10/30/2021</a:t>
+              <a:t>10/13/2022</a:t>
             </a:fld>
             <a:endParaRPr lang="en-US"/>
           </a:p>
@@ -5997,7 +5997,7 @@
             <a:fld id="{1D8BD707-D9CF-40AE-B4C6-C98DA3205C09}" type="datetimeFigureOut">
               <a:rPr lang="en-US" smtClean="0"/>
               <a:pPr/>
-              <a:t>10/30/2021</a:t>
+              <a:t>10/13/2022</a:t>
             </a:fld>
             <a:endParaRPr lang="en-US"/>
           </a:p>
@@ -6337,7 +6337,7 @@
             <a:fld id="{1D8BD707-D9CF-40AE-B4C6-C98DA3205C09}" type="datetimeFigureOut">
               <a:rPr lang="en-US" smtClean="0"/>
               <a:pPr/>
-              <a:t>10/30/2021</a:t>
+              <a:t>10/13/2022</a:t>
             </a:fld>
             <a:endParaRPr lang="en-US"/>
           </a:p>
@@ -9771,11 +9771,7 @@
             </a:r>
             <a:r>
               <a:rPr lang="en-US" dirty="0" smtClean="0"/>
-              <a:t> </a:t>
-            </a:r>
-            <a:r>
-              <a:rPr lang="en-US" dirty="0" smtClean="0"/>
-              <a:t>can be just as misleading, nonlocal, and dishonest as any other kind of comment.</a:t>
+              <a:t> can be just as misleading, nonlocal, and dishonest as any other kind of comment.</a:t>
             </a:r>
             <a:endParaRPr lang="el-GR" dirty="0"/>
           </a:p>
